--- a/RegrasNegocio/RN_Requisitos.pptx
+++ b/RegrasNegocio/RN_Requisitos.pptx
@@ -13,6 +13,7 @@
     <p:sldId id="260" r:id="rId7"/>
     <p:sldId id="262" r:id="rId8"/>
     <p:sldId id="263" r:id="rId9"/>
+    <p:sldId id="264" r:id="rId10"/>
   </p:sldIdLst>
   <p:sldSz cx="12192000" cy="6858000"/>
   <p:notesSz cx="6858000" cy="9144000"/>
@@ -266,7 +267,7 @@
           <a:p>
             <a:fld id="{0A1764AE-7598-4101-9D63-6EC8D69CE664}" type="datetimeFigureOut">
               <a:rPr lang="pt-BR" smtClean="0"/>
-              <a:t>12/12/2023</a:t>
+              <a:t>22/01/2024</a:t>
             </a:fld>
             <a:endParaRPr lang="pt-BR"/>
           </a:p>
@@ -464,7 +465,7 @@
           <a:p>
             <a:fld id="{0A1764AE-7598-4101-9D63-6EC8D69CE664}" type="datetimeFigureOut">
               <a:rPr lang="pt-BR" smtClean="0"/>
-              <a:t>12/12/2023</a:t>
+              <a:t>22/01/2024</a:t>
             </a:fld>
             <a:endParaRPr lang="pt-BR"/>
           </a:p>
@@ -672,7 +673,7 @@
           <a:p>
             <a:fld id="{0A1764AE-7598-4101-9D63-6EC8D69CE664}" type="datetimeFigureOut">
               <a:rPr lang="pt-BR" smtClean="0"/>
-              <a:t>12/12/2023</a:t>
+              <a:t>22/01/2024</a:t>
             </a:fld>
             <a:endParaRPr lang="pt-BR"/>
           </a:p>
@@ -870,7 +871,7 @@
           <a:p>
             <a:fld id="{0A1764AE-7598-4101-9D63-6EC8D69CE664}" type="datetimeFigureOut">
               <a:rPr lang="pt-BR" smtClean="0"/>
-              <a:t>12/12/2023</a:t>
+              <a:t>22/01/2024</a:t>
             </a:fld>
             <a:endParaRPr lang="pt-BR"/>
           </a:p>
@@ -1145,7 +1146,7 @@
           <a:p>
             <a:fld id="{0A1764AE-7598-4101-9D63-6EC8D69CE664}" type="datetimeFigureOut">
               <a:rPr lang="pt-BR" smtClean="0"/>
-              <a:t>12/12/2023</a:t>
+              <a:t>22/01/2024</a:t>
             </a:fld>
             <a:endParaRPr lang="pt-BR"/>
           </a:p>
@@ -1410,7 +1411,7 @@
           <a:p>
             <a:fld id="{0A1764AE-7598-4101-9D63-6EC8D69CE664}" type="datetimeFigureOut">
               <a:rPr lang="pt-BR" smtClean="0"/>
-              <a:t>12/12/2023</a:t>
+              <a:t>22/01/2024</a:t>
             </a:fld>
             <a:endParaRPr lang="pt-BR"/>
           </a:p>
@@ -1822,7 +1823,7 @@
           <a:p>
             <a:fld id="{0A1764AE-7598-4101-9D63-6EC8D69CE664}" type="datetimeFigureOut">
               <a:rPr lang="pt-BR" smtClean="0"/>
-              <a:t>12/12/2023</a:t>
+              <a:t>22/01/2024</a:t>
             </a:fld>
             <a:endParaRPr lang="pt-BR"/>
           </a:p>
@@ -1963,7 +1964,7 @@
           <a:p>
             <a:fld id="{0A1764AE-7598-4101-9D63-6EC8D69CE664}" type="datetimeFigureOut">
               <a:rPr lang="pt-BR" smtClean="0"/>
-              <a:t>12/12/2023</a:t>
+              <a:t>22/01/2024</a:t>
             </a:fld>
             <a:endParaRPr lang="pt-BR"/>
           </a:p>
@@ -2076,7 +2077,7 @@
           <a:p>
             <a:fld id="{0A1764AE-7598-4101-9D63-6EC8D69CE664}" type="datetimeFigureOut">
               <a:rPr lang="pt-BR" smtClean="0"/>
-              <a:t>12/12/2023</a:t>
+              <a:t>22/01/2024</a:t>
             </a:fld>
             <a:endParaRPr lang="pt-BR"/>
           </a:p>
@@ -2387,7 +2388,7 @@
           <a:p>
             <a:fld id="{0A1764AE-7598-4101-9D63-6EC8D69CE664}" type="datetimeFigureOut">
               <a:rPr lang="pt-BR" smtClean="0"/>
-              <a:t>12/12/2023</a:t>
+              <a:t>22/01/2024</a:t>
             </a:fld>
             <a:endParaRPr lang="pt-BR"/>
           </a:p>
@@ -2675,7 +2676,7 @@
           <a:p>
             <a:fld id="{0A1764AE-7598-4101-9D63-6EC8D69CE664}" type="datetimeFigureOut">
               <a:rPr lang="pt-BR" smtClean="0"/>
-              <a:t>12/12/2023</a:t>
+              <a:t>22/01/2024</a:t>
             </a:fld>
             <a:endParaRPr lang="pt-BR"/>
           </a:p>
@@ -2916,7 +2917,7 @@
           <a:p>
             <a:fld id="{0A1764AE-7598-4101-9D63-6EC8D69CE664}" type="datetimeFigureOut">
               <a:rPr lang="pt-BR" smtClean="0"/>
-              <a:t>12/12/2023</a:t>
+              <a:t>22/01/2024</a:t>
             </a:fld>
             <a:endParaRPr lang="pt-BR"/>
           </a:p>
@@ -6022,6 +6023,148 @@
 </p:sld>
 </file>
 
+<file path=ppt/slides/slide9.xml><?xml version="1.0" encoding="utf-8"?>
+<p:sld xmlns:a="http://schemas.openxmlformats.org/drawingml/2006/main" xmlns:r="http://schemas.openxmlformats.org/officeDocument/2006/relationships" xmlns:p="http://schemas.openxmlformats.org/presentationml/2006/main">
+  <p:cSld>
+    <p:spTree>
+      <p:nvGrpSpPr>
+        <p:cNvPr id="1" name=""/>
+        <p:cNvGrpSpPr/>
+        <p:nvPr/>
+      </p:nvGrpSpPr>
+      <p:grpSpPr>
+        <a:xfrm>
+          <a:off x="0" y="0"/>
+          <a:ext cx="0" cy="0"/>
+          <a:chOff x="0" y="0"/>
+          <a:chExt cx="0" cy="0"/>
+        </a:xfrm>
+      </p:grpSpPr>
+      <p:sp>
+        <p:nvSpPr>
+          <p:cNvPr id="2" name="Título 1"/>
+          <p:cNvSpPr>
+            <a:spLocks noGrp="1"/>
+          </p:cNvSpPr>
+          <p:nvPr>
+            <p:ph type="title"/>
+          </p:nvPr>
+        </p:nvSpPr>
+        <p:spPr/>
+        <p:txBody>
+          <a:bodyPr/>
+          <a:lstStyle/>
+          <a:p>
+            <a:r>
+              <a:rPr lang="pt-BR" dirty="0" smtClean="0"/>
+              <a:t>CASO DE TESTE</a:t>
+            </a:r>
+            <a:endParaRPr lang="pt-BR" dirty="0"/>
+          </a:p>
+        </p:txBody>
+      </p:sp>
+      <p:sp>
+        <p:nvSpPr>
+          <p:cNvPr id="3" name="Espaço Reservado para Conteúdo 2"/>
+          <p:cNvSpPr>
+            <a:spLocks noGrp="1"/>
+          </p:cNvSpPr>
+          <p:nvPr>
+            <p:ph idx="1"/>
+          </p:nvPr>
+        </p:nvSpPr>
+        <p:spPr/>
+        <p:txBody>
+          <a:bodyPr>
+            <a:normAutofit/>
+          </a:bodyPr>
+          <a:lstStyle/>
+          <a:p>
+            <a:r>
+              <a:rPr lang="pt-BR" sz="1200" dirty="0" smtClean="0"/>
+              <a:t>Projeto: Site Almoxarifado</a:t>
+            </a:r>
+          </a:p>
+          <a:p>
+            <a:r>
+              <a:rPr lang="pt-BR" sz="1200" dirty="0" smtClean="0"/>
+              <a:t>Pré-condição: sistema está aberto.</a:t>
+            </a:r>
+          </a:p>
+          <a:p>
+            <a:endParaRPr lang="pt-BR" sz="1200" dirty="0" smtClean="0"/>
+          </a:p>
+          <a:p>
+            <a:r>
+              <a:rPr lang="pt-BR" sz="1200" dirty="0" smtClean="0"/>
+              <a:t>Passos:</a:t>
+            </a:r>
+          </a:p>
+          <a:p>
+            <a:pPr marL="0" indent="0">
+              <a:buNone/>
+            </a:pPr>
+            <a:r>
+              <a:rPr lang="pt-BR" sz="1200" dirty="0" smtClean="0"/>
+              <a:t>1- acessar o site</a:t>
+            </a:r>
+          </a:p>
+          <a:p>
+            <a:pPr marL="0" indent="0">
+              <a:buNone/>
+            </a:pPr>
+            <a:r>
+              <a:rPr lang="pt-BR" sz="1200" dirty="0" smtClean="0"/>
+              <a:t>2-Todos os campos serão obrigatórios a ser preenchidos com </a:t>
+            </a:r>
+            <a:r>
+              <a:rPr lang="pt-BR" sz="1200" dirty="0" err="1" smtClean="0"/>
+              <a:t>excessão</a:t>
+            </a:r>
+            <a:r>
+              <a:rPr lang="pt-BR" sz="1200" dirty="0" smtClean="0"/>
+              <a:t> do campo “Nome </a:t>
+            </a:r>
+            <a:r>
+              <a:rPr lang="pt-BR" sz="1200" dirty="0" err="1" smtClean="0"/>
+              <a:t>Funcionario</a:t>
+            </a:r>
+            <a:r>
+              <a:rPr lang="pt-BR" sz="1200" dirty="0" smtClean="0"/>
+              <a:t>”</a:t>
+            </a:r>
+          </a:p>
+          <a:p>
+            <a:pPr marL="0" indent="0">
+              <a:buNone/>
+            </a:pPr>
+            <a:r>
+              <a:rPr lang="pt-BR" sz="1200" smtClean="0"/>
+              <a:t>3-</a:t>
+            </a:r>
+            <a:endParaRPr lang="pt-BR" sz="1200" dirty="0"/>
+          </a:p>
+          <a:p>
+            <a:endParaRPr lang="pt-BR" sz="1200" dirty="0" smtClean="0"/>
+          </a:p>
+          <a:p>
+            <a:endParaRPr lang="pt-BR" sz="1200" dirty="0"/>
+          </a:p>
+        </p:txBody>
+      </p:sp>
+    </p:spTree>
+    <p:extLst>
+      <p:ext uri="{BB962C8B-B14F-4D97-AF65-F5344CB8AC3E}">
+        <p14:creationId xmlns:p14="http://schemas.microsoft.com/office/powerpoint/2010/main" val="989414024"/>
+      </p:ext>
+    </p:extLst>
+  </p:cSld>
+  <p:clrMapOvr>
+    <a:masterClrMapping/>
+  </p:clrMapOvr>
+</p:sld>
+</file>
+
 <file path=ppt/theme/theme1.xml><?xml version="1.0" encoding="utf-8"?>
 <a:theme xmlns:a="http://schemas.openxmlformats.org/drawingml/2006/main" name="Tema do Office">
   <a:themeElements>
